--- a/Powerpoint/CNN-Nairobi AI.pptx
+++ b/Powerpoint/CNN-Nairobi AI.pptx
@@ -27,7 +27,8 @@
     <p:sldId id="275" r:id="rId21"/>
     <p:sldId id="276" r:id="rId22"/>
     <p:sldId id="277" r:id="rId23"/>
-    <p:sldId id="278" r:id="rId24"/>
+    <p:sldId id="279" r:id="rId24"/>
+    <p:sldId id="278" r:id="rId25"/>
   </p:sldIdLst>
   <p:sldSz cx="12192000" cy="6858000"/>
   <p:notesSz cx="6858000" cy="9144000"/>
@@ -283,7 +284,7 @@
           <a:p>
             <a:fld id="{E392A147-9DFB-43EF-8D9F-8BF1DDA21755}" type="datetimeFigureOut">
               <a:rPr lang="en-GB" smtClean="0"/>
-              <a:t>16/11/2022</a:t>
+              <a:t>23/11/2022</a:t>
             </a:fld>
             <a:endParaRPr lang="en-GB"/>
           </a:p>
@@ -483,7 +484,7 @@
           <a:p>
             <a:fld id="{E392A147-9DFB-43EF-8D9F-8BF1DDA21755}" type="datetimeFigureOut">
               <a:rPr lang="en-GB" smtClean="0"/>
-              <a:t>16/11/2022</a:t>
+              <a:t>23/11/2022</a:t>
             </a:fld>
             <a:endParaRPr lang="en-GB"/>
           </a:p>
@@ -693,7 +694,7 @@
           <a:p>
             <a:fld id="{E392A147-9DFB-43EF-8D9F-8BF1DDA21755}" type="datetimeFigureOut">
               <a:rPr lang="en-GB" smtClean="0"/>
-              <a:t>16/11/2022</a:t>
+              <a:t>23/11/2022</a:t>
             </a:fld>
             <a:endParaRPr lang="en-GB"/>
           </a:p>
@@ -893,7 +894,7 @@
           <a:p>
             <a:fld id="{E392A147-9DFB-43EF-8D9F-8BF1DDA21755}" type="datetimeFigureOut">
               <a:rPr lang="en-GB" smtClean="0"/>
-              <a:t>16/11/2022</a:t>
+              <a:t>23/11/2022</a:t>
             </a:fld>
             <a:endParaRPr lang="en-GB"/>
           </a:p>
@@ -1169,7 +1170,7 @@
           <a:p>
             <a:fld id="{E392A147-9DFB-43EF-8D9F-8BF1DDA21755}" type="datetimeFigureOut">
               <a:rPr lang="en-GB" smtClean="0"/>
-              <a:t>16/11/2022</a:t>
+              <a:t>23/11/2022</a:t>
             </a:fld>
             <a:endParaRPr lang="en-GB"/>
           </a:p>
@@ -1437,7 +1438,7 @@
           <a:p>
             <a:fld id="{E392A147-9DFB-43EF-8D9F-8BF1DDA21755}" type="datetimeFigureOut">
               <a:rPr lang="en-GB" smtClean="0"/>
-              <a:t>16/11/2022</a:t>
+              <a:t>23/11/2022</a:t>
             </a:fld>
             <a:endParaRPr lang="en-GB"/>
           </a:p>
@@ -1852,7 +1853,7 @@
           <a:p>
             <a:fld id="{E392A147-9DFB-43EF-8D9F-8BF1DDA21755}" type="datetimeFigureOut">
               <a:rPr lang="en-GB" smtClean="0"/>
-              <a:t>16/11/2022</a:t>
+              <a:t>23/11/2022</a:t>
             </a:fld>
             <a:endParaRPr lang="en-GB"/>
           </a:p>
@@ -1994,7 +1995,7 @@
           <a:p>
             <a:fld id="{E392A147-9DFB-43EF-8D9F-8BF1DDA21755}" type="datetimeFigureOut">
               <a:rPr lang="en-GB" smtClean="0"/>
-              <a:t>16/11/2022</a:t>
+              <a:t>23/11/2022</a:t>
             </a:fld>
             <a:endParaRPr lang="en-GB"/>
           </a:p>
@@ -2107,7 +2108,7 @@
           <a:p>
             <a:fld id="{E392A147-9DFB-43EF-8D9F-8BF1DDA21755}" type="datetimeFigureOut">
               <a:rPr lang="en-GB" smtClean="0"/>
-              <a:t>16/11/2022</a:t>
+              <a:t>23/11/2022</a:t>
             </a:fld>
             <a:endParaRPr lang="en-GB"/>
           </a:p>
@@ -2420,7 +2421,7 @@
           <a:p>
             <a:fld id="{E392A147-9DFB-43EF-8D9F-8BF1DDA21755}" type="datetimeFigureOut">
               <a:rPr lang="en-GB" smtClean="0"/>
-              <a:t>16/11/2022</a:t>
+              <a:t>23/11/2022</a:t>
             </a:fld>
             <a:endParaRPr lang="en-GB"/>
           </a:p>
@@ -2709,7 +2710,7 @@
           <a:p>
             <a:fld id="{E392A147-9DFB-43EF-8D9F-8BF1DDA21755}" type="datetimeFigureOut">
               <a:rPr lang="en-GB" smtClean="0"/>
-              <a:t>16/11/2022</a:t>
+              <a:t>23/11/2022</a:t>
             </a:fld>
             <a:endParaRPr lang="en-GB"/>
           </a:p>
@@ -2971,7 +2972,7 @@
           <a:p>
             <a:fld id="{E392A147-9DFB-43EF-8D9F-8BF1DDA21755}" type="datetimeFigureOut">
               <a:rPr lang="en-GB" smtClean="0"/>
-              <a:t>16/11/2022</a:t>
+              <a:t>23/11/2022</a:t>
             </a:fld>
             <a:endParaRPr lang="en-GB"/>
           </a:p>
@@ -3406,8 +3407,8 @@
         </p:nvSpPr>
         <p:spPr>
           <a:xfrm>
-            <a:off x="3263705" y="1681089"/>
-            <a:ext cx="6010298" cy="2369747"/>
+            <a:off x="3263705" y="2166425"/>
+            <a:ext cx="6010298" cy="1884411"/>
           </a:xfrm>
         </p:spPr>
         <p:txBody>
@@ -5583,6 +5584,168 @@
 </file>
 
 <file path=ppt/slides/slide23.xml><?xml version="1.0" encoding="utf-8"?>
+<p:sld xmlns:a="http://schemas.openxmlformats.org/drawingml/2006/main" xmlns:r="http://schemas.openxmlformats.org/officeDocument/2006/relationships" xmlns:p="http://schemas.openxmlformats.org/presentationml/2006/main">
+  <p:cSld>
+    <p:spTree>
+      <p:nvGrpSpPr>
+        <p:cNvPr id="1" name=""/>
+        <p:cNvGrpSpPr/>
+        <p:nvPr/>
+      </p:nvGrpSpPr>
+      <p:grpSpPr>
+        <a:xfrm>
+          <a:off x="0" y="0"/>
+          <a:ext cx="0" cy="0"/>
+          <a:chOff x="0" y="0"/>
+          <a:chExt cx="0" cy="0"/>
+        </a:xfrm>
+      </p:grpSpPr>
+      <p:sp>
+        <p:nvSpPr>
+          <p:cNvPr id="2" name="Title 1">
+            <a:extLst>
+              <a:ext uri="{FF2B5EF4-FFF2-40B4-BE49-F238E27FC236}">
+                <a16:creationId xmlns:a16="http://schemas.microsoft.com/office/drawing/2014/main" id="{B55A1643-0CC2-6C3E-37EE-D36CEC352DDB}"/>
+              </a:ext>
+            </a:extLst>
+          </p:cNvPr>
+          <p:cNvSpPr>
+            <a:spLocks noGrp="1"/>
+          </p:cNvSpPr>
+          <p:nvPr>
+            <p:ph type="title"/>
+          </p:nvPr>
+        </p:nvSpPr>
+        <p:spPr/>
+        <p:txBody>
+          <a:bodyPr/>
+          <a:lstStyle/>
+          <a:p>
+            <a:r>
+              <a:rPr lang="en-GB" dirty="0"/>
+              <a:t>Face Mask Detector</a:t>
+            </a:r>
+          </a:p>
+        </p:txBody>
+      </p:sp>
+      <p:pic>
+        <p:nvPicPr>
+          <p:cNvPr id="5" name="Content Placeholder 4">
+            <a:extLst>
+              <a:ext uri="{FF2B5EF4-FFF2-40B4-BE49-F238E27FC236}">
+                <a16:creationId xmlns:a16="http://schemas.microsoft.com/office/drawing/2014/main" id="{04155F71-29CA-D391-4F3B-818E139F33D0}"/>
+              </a:ext>
+            </a:extLst>
+          </p:cNvPr>
+          <p:cNvPicPr>
+            <a:picLocks noGrp="1" noChangeAspect="1"/>
+          </p:cNvPicPr>
+          <p:nvPr>
+            <p:ph idx="1"/>
+          </p:nvPr>
+        </p:nvPicPr>
+        <p:blipFill>
+          <a:blip r:embed="rId2">
+            <a:extLst>
+              <a:ext uri="{28A0092B-C50C-407E-A947-70E740481C1C}">
+                <a14:useLocalDpi xmlns:a14="http://schemas.microsoft.com/office/drawing/2010/main" val="0"/>
+              </a:ext>
+            </a:extLst>
+          </a:blip>
+          <a:stretch>
+            <a:fillRect/>
+          </a:stretch>
+        </p:blipFill>
+        <p:spPr>
+          <a:xfrm>
+            <a:off x="838200" y="2613208"/>
+            <a:ext cx="2143125" cy="2143125"/>
+          </a:xfrm>
+        </p:spPr>
+      </p:pic>
+      <p:pic>
+        <p:nvPicPr>
+          <p:cNvPr id="7" name="Picture 6">
+            <a:extLst>
+              <a:ext uri="{FF2B5EF4-FFF2-40B4-BE49-F238E27FC236}">
+                <a16:creationId xmlns:a16="http://schemas.microsoft.com/office/drawing/2014/main" id="{26EAC7BC-5928-A076-5996-B29E95B19C86}"/>
+              </a:ext>
+            </a:extLst>
+          </p:cNvPr>
+          <p:cNvPicPr>
+            <a:picLocks noChangeAspect="1"/>
+          </p:cNvPicPr>
+          <p:nvPr/>
+        </p:nvPicPr>
+        <p:blipFill>
+          <a:blip r:embed="rId3"/>
+          <a:stretch>
+            <a:fillRect/>
+          </a:stretch>
+        </p:blipFill>
+        <p:spPr>
+          <a:xfrm>
+            <a:off x="5950852" y="2520668"/>
+            <a:ext cx="2143125" cy="2328203"/>
+          </a:xfrm>
+          <a:prstGeom prst="rect">
+            <a:avLst/>
+          </a:prstGeom>
+        </p:spPr>
+      </p:pic>
+      <p:cxnSp>
+        <p:nvCxnSpPr>
+          <p:cNvPr id="11" name="Straight Arrow Connector 10">
+            <a:extLst>
+              <a:ext uri="{FF2B5EF4-FFF2-40B4-BE49-F238E27FC236}">
+                <a16:creationId xmlns:a16="http://schemas.microsoft.com/office/drawing/2014/main" id="{51A9908E-70DA-8E7C-B845-56625A2CF1C8}"/>
+              </a:ext>
+            </a:extLst>
+          </p:cNvPr>
+          <p:cNvCxnSpPr/>
+          <p:nvPr/>
+        </p:nvCxnSpPr>
+        <p:spPr>
+          <a:xfrm>
+            <a:off x="3179298" y="3684769"/>
+            <a:ext cx="2342271" cy="0"/>
+          </a:xfrm>
+          <a:prstGeom prst="straightConnector1">
+            <a:avLst/>
+          </a:prstGeom>
+          <a:ln w="76200">
+            <a:tailEnd type="triangle"/>
+          </a:ln>
+        </p:spPr>
+        <p:style>
+          <a:lnRef idx="1">
+            <a:schemeClr val="dk1"/>
+          </a:lnRef>
+          <a:fillRef idx="0">
+            <a:schemeClr val="dk1"/>
+          </a:fillRef>
+          <a:effectRef idx="0">
+            <a:schemeClr val="dk1"/>
+          </a:effectRef>
+          <a:fontRef idx="minor">
+            <a:schemeClr val="tx1"/>
+          </a:fontRef>
+        </p:style>
+      </p:cxnSp>
+    </p:spTree>
+    <p:extLst>
+      <p:ext uri="{BB962C8B-B14F-4D97-AF65-F5344CB8AC3E}">
+        <p14:creationId xmlns:p14="http://schemas.microsoft.com/office/powerpoint/2010/main" val="1410528585"/>
+      </p:ext>
+    </p:extLst>
+  </p:cSld>
+  <p:clrMapOvr>
+    <a:masterClrMapping/>
+  </p:clrMapOvr>
+</p:sld>
+</file>
+
+<file path=ppt/slides/slide24.xml><?xml version="1.0" encoding="utf-8"?>
 <p:sld xmlns:a="http://schemas.openxmlformats.org/drawingml/2006/main" xmlns:r="http://schemas.openxmlformats.org/officeDocument/2006/relationships" xmlns:p="http://schemas.openxmlformats.org/presentationml/2006/main">
   <p:cSld>
     <p:spTree>
